--- a/presentation/트랙7_DKE_191125(향후계획).pptx
+++ b/presentation/트랙7_DKE_191125(향후계획).pptx
@@ -240,7 +240,7 @@
           <a:p>
             <a:fld id="{707BC775-E588-49B1-8152-34E6F68DC449}" type="datetimeFigureOut">
               <a:rPr lang="ko-KR" altLang="en-US" smtClean="0"/>
-              <a:t>2019-11-25</a:t>
+              <a:t>2019-11-27</a:t>
             </a:fld>
             <a:endParaRPr lang="ko-KR" altLang="en-US"/>
           </a:p>
@@ -405,7 +405,7 @@
           <a:p>
             <a:fld id="{6C75824B-EE8F-4812-A8E8-7CD839AE493C}" type="datetimeFigureOut">
               <a:rPr lang="ko-KR" altLang="en-US" smtClean="0"/>
-              <a:t>2019-11-25</a:t>
+              <a:t>2019-11-27</a:t>
             </a:fld>
             <a:endParaRPr lang="ko-KR" altLang="en-US"/>
           </a:p>
@@ -3398,7 +3398,9 @@
         </p:nvSpPr>
         <p:spPr/>
         <p:txBody>
-          <a:bodyPr/>
+          <a:bodyPr>
+            <a:normAutofit lnSpcReduction="10000"/>
+          </a:bodyPr>
           <a:lstStyle/>
           <a:p>
             <a:pPr>
@@ -3532,6 +3534,30 @@
             <a:r>
               <a:rPr lang="ko-KR" altLang="en-US" dirty="0"/>
               <a:t>최종 결과</a:t>
+            </a:r>
+            <a:endParaRPr lang="en-US" altLang="ko-KR" dirty="0"/>
+          </a:p>
+          <a:p>
+            <a:pPr lvl="1">
+              <a:lnSpc>
+                <a:spcPct val="150000"/>
+              </a:lnSpc>
+            </a:pPr>
+            <a:r>
+              <a:rPr lang="en-US" altLang="ko-KR" b="1" dirty="0">
+                <a:solidFill>
+                  <a:srgbClr val="FF0000"/>
+                </a:solidFill>
+              </a:rPr>
+              <a:t>1</a:t>
+            </a:r>
+            <a:r>
+              <a:rPr lang="ko-KR" altLang="en-US" b="1" dirty="0">
+                <a:solidFill>
+                  <a:srgbClr val="FF0000"/>
+                </a:solidFill>
+              </a:rPr>
+              <a:t>위</a:t>
             </a:r>
           </a:p>
         </p:txBody>
